--- a/GestureUI-Presentation.pptx
+++ b/GestureUI-Presentation.pptx
@@ -10054,10 +10054,10 @@
         <a:lstStyle/>
         <a:p>
           <a:r>
-            <a:rPr lang="en-US" baseline="0"/>
-            <a:t>speech recognition </a:t>
+            <a:rPr lang="en-US" baseline="0" dirty="0"/>
+            <a:t>Speech recognition </a:t>
           </a:r>
-          <a:endParaRPr lang="en-US"/>
+          <a:endParaRPr lang="en-US" dirty="0"/>
         </a:p>
       </dgm:t>
     </dgm:pt>
@@ -10642,10 +10642,9 @@
             </a:lnSpc>
           </a:pPr>
           <a:r>
-            <a:rPr lang="en-US"/>
-            <a:t>Interesting and challenging newly introduced hardware</a:t>
+            <a:rPr lang="en-US" dirty="0"/>
+            <a:t>We got the chance to experience working with new and challenging technology</a:t>
           </a:r>
-          <a:endParaRPr lang="en-US" dirty="0"/>
         </a:p>
       </dgm:t>
     </dgm:pt>
@@ -10736,8 +10735,8 @@
             </a:lnSpc>
           </a:pPr>
           <a:r>
-            <a:rPr lang="en-US"/>
-            <a:t>Phases of movements are easily identifiable from graphs of joint positions</a:t>
+            <a:rPr lang="en-US" b="0" i="0" dirty="0"/>
+            <a:t>The position and movement phases are easily identifiable from the skeleton</a:t>
           </a:r>
           <a:endParaRPr lang="en-US" dirty="0"/>
         </a:p>
@@ -15278,10 +15277,10 @@
             <a:buNone/>
           </a:pPr>
           <a:r>
-            <a:rPr lang="en-US" sz="1900" kern="1200" baseline="0"/>
-            <a:t>speech recognition </a:t>
+            <a:rPr lang="en-US" sz="1900" kern="1200" baseline="0" dirty="0"/>
+            <a:t>Speech recognition </a:t>
           </a:r>
-          <a:endParaRPr lang="en-US" sz="1900" kern="1200"/>
+          <a:endParaRPr lang="en-US" sz="1900" kern="1200" dirty="0"/>
         </a:p>
       </dsp:txBody>
       <dsp:txXfrm>
@@ -15987,10 +15986,9 @@
             <a:buNone/>
           </a:pPr>
           <a:r>
-            <a:rPr lang="en-US" sz="2100" kern="1200"/>
-            <a:t>Interesting and challenging newly introduced hardware</a:t>
+            <a:rPr lang="en-US" sz="2100" kern="1200" dirty="0"/>
+            <a:t>We got the chance to experience working with new and challenging technology</a:t>
           </a:r>
-          <a:endParaRPr lang="en-US" sz="2100" kern="1200" dirty="0"/>
         </a:p>
       </dsp:txBody>
       <dsp:txXfrm>
@@ -16285,8 +16283,8 @@
             <a:buNone/>
           </a:pPr>
           <a:r>
-            <a:rPr lang="en-US" sz="2100" kern="1200"/>
-            <a:t>Phases of movements are easily identifiable from graphs of joint positions</a:t>
+            <a:rPr lang="en-US" sz="2100" b="0" i="0" kern="1200" dirty="0"/>
+            <a:t>The position and movement phases are easily identifiable from the skeleton</a:t>
           </a:r>
           <a:endParaRPr lang="en-US" sz="2100" kern="1200" dirty="0"/>
         </a:p>
@@ -35881,7 +35879,7 @@
             <p:ph sz="quarter" idx="13"/>
             <p:extLst>
               <p:ext uri="{D42A27DB-BD31-4B8C-83A1-F6EECF244321}">
-                <p14:modId xmlns:p14="http://schemas.microsoft.com/office/powerpoint/2010/main" val="88638238"/>
+                <p14:modId xmlns:p14="http://schemas.microsoft.com/office/powerpoint/2010/main" val="2045958922"/>
               </p:ext>
             </p:extLst>
           </p:nvPr>
@@ -37453,7 +37451,7 @@
             <p:ph sz="quarter" idx="13"/>
             <p:extLst>
               <p:ext uri="{D42A27DB-BD31-4B8C-83A1-F6EECF244321}">
-                <p14:modId xmlns:p14="http://schemas.microsoft.com/office/powerpoint/2010/main" val="3818903627"/>
+                <p14:modId xmlns:p14="http://schemas.microsoft.com/office/powerpoint/2010/main" val="1959445240"/>
               </p:ext>
             </p:extLst>
           </p:nvPr>
